--- a/UI/Design Signup.pptx
+++ b/UI/Design Signup.pptx
@@ -4105,14 +4105,14 @@
       </p:cxnSp>
       <p:sp>
         <p:nvSpPr>
-          <p:cNvPr id="43" name="Rectangle 42"/>
+          <p:cNvPr id="45" name="Rectangle 44"/>
           <p:cNvSpPr/>
           <p:nvPr/>
         </p:nvSpPr>
         <p:spPr>
           <a:xfrm>
-            <a:off x="8024437" y="5264745"/>
-            <a:ext cx="225778" cy="226172"/>
+            <a:off x="8277634" y="5675403"/>
+            <a:ext cx="2324338" cy="304800"/>
           </a:xfrm>
           <a:prstGeom prst="rect">
             <a:avLst/>
@@ -4145,14 +4145,14 @@
       </p:sp>
       <p:sp>
         <p:nvSpPr>
-          <p:cNvPr id="44" name="TextBox 43"/>
+          <p:cNvPr id="46" name="TextBox 45"/>
           <p:cNvSpPr txBox="1"/>
           <p:nvPr/>
         </p:nvSpPr>
         <p:spPr>
           <a:xfrm>
-            <a:off x="8250215" y="5214877"/>
-            <a:ext cx="2379177" cy="569387"/>
+            <a:off x="8991603" y="5638298"/>
+            <a:ext cx="896399" cy="369332"/>
           </a:xfrm>
           <a:prstGeom prst="rect">
             <a:avLst/>
@@ -4166,85 +4166,6 @@
           <a:lstStyle/>
           <a:p>
             <a:r>
-              <a:rPr lang="vi-VN" sz="1300" dirty="0" smtClean="0">
-                <a:latin typeface="Times New Roman" panose="02020603050405020304" pitchFamily="18" charset="0"/>
-                <a:cs typeface="Times New Roman" panose="02020603050405020304" pitchFamily="18" charset="0"/>
-              </a:rPr>
-              <a:t>I gree with terms and conditions </a:t>
-            </a:r>
-            <a:endParaRPr lang="en-US" sz="1300" dirty="0" smtClean="0">
-              <a:latin typeface="Times New Roman" panose="02020603050405020304" pitchFamily="18" charset="0"/>
-              <a:cs typeface="Times New Roman" panose="02020603050405020304" pitchFamily="18" charset="0"/>
-            </a:endParaRPr>
-          </a:p>
-          <a:p>
-            <a:endParaRPr lang="en-US" dirty="0"/>
-          </a:p>
-        </p:txBody>
-      </p:sp>
-      <p:sp>
-        <p:nvSpPr>
-          <p:cNvPr id="45" name="Rectangle 44"/>
-          <p:cNvSpPr/>
-          <p:nvPr/>
-        </p:nvSpPr>
-        <p:spPr>
-          <a:xfrm>
-            <a:off x="8277634" y="5675403"/>
-            <a:ext cx="2324338" cy="304800"/>
-          </a:xfrm>
-          <a:prstGeom prst="rect">
-            <a:avLst/>
-          </a:prstGeom>
-        </p:spPr>
-        <p:style>
-          <a:lnRef idx="2">
-            <a:schemeClr val="accent1">
-              <a:shade val="50000"/>
-            </a:schemeClr>
-          </a:lnRef>
-          <a:fillRef idx="1">
-            <a:schemeClr val="accent1"/>
-          </a:fillRef>
-          <a:effectRef idx="0">
-            <a:schemeClr val="accent1"/>
-          </a:effectRef>
-          <a:fontRef idx="minor">
-            <a:schemeClr val="lt1"/>
-          </a:fontRef>
-        </p:style>
-        <p:txBody>
-          <a:bodyPr rtlCol="0" anchor="ctr"/>
-          <a:lstStyle/>
-          <a:p>
-            <a:pPr algn="ctr"/>
-            <a:endParaRPr lang="en-US"/>
-          </a:p>
-        </p:txBody>
-      </p:sp>
-      <p:sp>
-        <p:nvSpPr>
-          <p:cNvPr id="46" name="TextBox 45"/>
-          <p:cNvSpPr txBox="1"/>
-          <p:nvPr/>
-        </p:nvSpPr>
-        <p:spPr>
-          <a:xfrm>
-            <a:off x="8991603" y="5638298"/>
-            <a:ext cx="896399" cy="369332"/>
-          </a:xfrm>
-          <a:prstGeom prst="rect">
-            <a:avLst/>
-          </a:prstGeom>
-          <a:noFill/>
-        </p:spPr>
-        <p:txBody>
-          <a:bodyPr wrap="none" rtlCol="0">
-            <a:spAutoFit/>
-          </a:bodyPr>
-          <a:lstStyle/>
-          <a:p>
-            <a:r>
               <a:rPr lang="vi-VN" dirty="0" smtClean="0">
                 <a:latin typeface="+mj-lt"/>
               </a:rPr>
@@ -4253,41 +4174,6 @@
             <a:endParaRPr lang="en-US" dirty="0">
               <a:latin typeface="+mj-lt"/>
             </a:endParaRPr>
-          </a:p>
-        </p:txBody>
-      </p:sp>
-      <p:sp>
-        <p:nvSpPr>
-          <p:cNvPr id="47" name="TextBox 46"/>
-          <p:cNvSpPr txBox="1"/>
-          <p:nvPr/>
-        </p:nvSpPr>
-        <p:spPr>
-          <a:xfrm>
-            <a:off x="8239685" y="6214982"/>
-            <a:ext cx="2302233" cy="553998"/>
-          </a:xfrm>
-          <a:prstGeom prst="rect">
-            <a:avLst/>
-          </a:prstGeom>
-          <a:noFill/>
-        </p:spPr>
-        <p:txBody>
-          <a:bodyPr wrap="none" rtlCol="0">
-            <a:spAutoFit/>
-          </a:bodyPr>
-          <a:lstStyle/>
-          <a:p>
-            <a:r>
-              <a:rPr lang="en-US" sz="1200" dirty="0" smtClean="0">
-                <a:latin typeface="Times New Roman" panose="02020603050405020304" pitchFamily="18" charset="0"/>
-                <a:cs typeface="Times New Roman" panose="02020603050405020304" pitchFamily="18" charset="0"/>
-              </a:rPr>
-              <a:t>Already have an account ? Sign in</a:t>
-            </a:r>
-          </a:p>
-          <a:p>
-            <a:endParaRPr lang="en-US" dirty="0"/>
           </a:p>
         </p:txBody>
       </p:sp>
